--- a/NFLSalaryCapAllocation_VsWins.pptx
+++ b/NFLSalaryCapAllocation_VsWins.pptx
@@ -8955,8 +8955,8 @@
               <a:t> vs. </a:t>
             </a:r>
             <a:r>
-              <a:rPr lang="en-US" dirty="0" err="1"/>
-              <a:t>Sellenium</a:t>
+              <a:rPr lang="en-US"/>
+              <a:t>Selenium</a:t>
             </a:r>
             <a:endParaRPr lang="en-US" dirty="0"/>
           </a:p>
